--- a/get/001.pptx
+++ b/get/001.pptx
@@ -120,6 +120,11 @@
       </a:defRPr>
     </a:lvl9pPr>
   </p:defaultTextStyle>
+  <p:extLst>
+    <p:ext uri="{EFAFB233-063F-42B5-8137-9DF3F51BA10A}">
+      <p15:sldGuideLst xmlns:p15="http://schemas.microsoft.com/office/powerpoint/2012/main"/>
+    </p:ext>
+  </p:extLst>
 </p:presentation>
 </file>
 
@@ -348,7 +353,7 @@
             <a:fld id="{B61BEF0D-F0BB-DE4B-95CE-6DB70DBA9567}" type="datetimeFigureOut">
               <a:rPr lang="en-US" smtClean="0"/>
               <a:pPr/>
-              <a:t>3/23/2021</a:t>
+              <a:t>3/24/2021</a:t>
             </a:fld>
             <a:endParaRPr lang="en-US" dirty="0"/>
           </a:p>
@@ -654,7 +659,7 @@
             <a:fld id="{B61BEF0D-F0BB-DE4B-95CE-6DB70DBA9567}" type="datetimeFigureOut">
               <a:rPr lang="en-US" smtClean="0"/>
               <a:pPr/>
-              <a:t>3/23/2021</a:t>
+              <a:t>3/24/2021</a:t>
             </a:fld>
             <a:endParaRPr lang="en-US" dirty="0"/>
           </a:p>
@@ -934,7 +939,7 @@
             <a:fld id="{B61BEF0D-F0BB-DE4B-95CE-6DB70DBA9567}" type="datetimeFigureOut">
               <a:rPr lang="en-US" smtClean="0"/>
               <a:pPr/>
-              <a:t>3/23/2021</a:t>
+              <a:t>3/24/2021</a:t>
             </a:fld>
             <a:endParaRPr lang="en-US" dirty="0"/>
           </a:p>
@@ -1506,7 +1511,7 @@
             <a:fld id="{B61BEF0D-F0BB-DE4B-95CE-6DB70DBA9567}" type="datetimeFigureOut">
               <a:rPr lang="en-US" smtClean="0"/>
               <a:pPr/>
-              <a:t>3/23/2021</a:t>
+              <a:t>3/24/2021</a:t>
             </a:fld>
             <a:endParaRPr lang="en-US" dirty="0"/>
           </a:p>
@@ -1786,7 +1791,7 @@
             <a:fld id="{B61BEF0D-F0BB-DE4B-95CE-6DB70DBA9567}" type="datetimeFigureOut">
               <a:rPr lang="en-US" smtClean="0"/>
               <a:pPr/>
-              <a:t>3/23/2021</a:t>
+              <a:t>3/24/2021</a:t>
             </a:fld>
             <a:endParaRPr lang="en-US" dirty="0"/>
           </a:p>
@@ -2350,7 +2355,7 @@
             <a:fld id="{B61BEF0D-F0BB-DE4B-95CE-6DB70DBA9567}" type="datetimeFigureOut">
               <a:rPr lang="en-US" smtClean="0"/>
               <a:pPr/>
-              <a:t>3/23/2021</a:t>
+              <a:t>3/24/2021</a:t>
             </a:fld>
             <a:endParaRPr lang="en-US" dirty="0"/>
           </a:p>
@@ -2679,7 +2684,7 @@
             <a:fld id="{B61BEF0D-F0BB-DE4B-95CE-6DB70DBA9567}" type="datetimeFigureOut">
               <a:rPr lang="en-US" smtClean="0"/>
               <a:pPr/>
-              <a:t>3/23/2021</a:t>
+              <a:t>3/24/2021</a:t>
             </a:fld>
             <a:endParaRPr lang="en-US" dirty="0"/>
           </a:p>
@@ -2892,7 +2897,7 @@
             <a:fld id="{B61BEF0D-F0BB-DE4B-95CE-6DB70DBA9567}" type="datetimeFigureOut">
               <a:rPr lang="en-US" smtClean="0"/>
               <a:pPr/>
-              <a:t>3/23/2021</a:t>
+              <a:t>3/24/2021</a:t>
             </a:fld>
             <a:endParaRPr lang="en-US" dirty="0"/>
           </a:p>
@@ -3110,7 +3115,7 @@
             <a:fld id="{B61BEF0D-F0BB-DE4B-95CE-6DB70DBA9567}" type="datetimeFigureOut">
               <a:rPr lang="en-US" smtClean="0"/>
               <a:pPr/>
-              <a:t>3/23/2021</a:t>
+              <a:t>3/24/2021</a:t>
             </a:fld>
             <a:endParaRPr lang="en-US" dirty="0"/>
           </a:p>
@@ -3318,7 +3323,7 @@
             <a:fld id="{B61BEF0D-F0BB-DE4B-95CE-6DB70DBA9567}" type="datetimeFigureOut">
               <a:rPr lang="en-US" smtClean="0"/>
               <a:pPr/>
-              <a:t>3/23/2021</a:t>
+              <a:t>3/24/2021</a:t>
             </a:fld>
             <a:endParaRPr lang="en-US" dirty="0"/>
           </a:p>
@@ -3598,7 +3603,7 @@
             <a:fld id="{B61BEF0D-F0BB-DE4B-95CE-6DB70DBA9567}" type="datetimeFigureOut">
               <a:rPr lang="en-US" smtClean="0"/>
               <a:pPr/>
-              <a:t>3/23/2021</a:t>
+              <a:t>3/24/2021</a:t>
             </a:fld>
             <a:endParaRPr lang="en-US" dirty="0"/>
           </a:p>
@@ -3866,7 +3871,7 @@
             <a:fld id="{B61BEF0D-F0BB-DE4B-95CE-6DB70DBA9567}" type="datetimeFigureOut">
               <a:rPr lang="en-US" smtClean="0"/>
               <a:pPr/>
-              <a:t>3/23/2021</a:t>
+              <a:t>3/24/2021</a:t>
             </a:fld>
             <a:endParaRPr lang="en-US" dirty="0"/>
           </a:p>
@@ -4274,7 +4279,7 @@
             <a:fld id="{B61BEF0D-F0BB-DE4B-95CE-6DB70DBA9567}" type="datetimeFigureOut">
               <a:rPr lang="en-US" smtClean="0"/>
               <a:pPr/>
-              <a:t>3/23/2021</a:t>
+              <a:t>3/24/2021</a:t>
             </a:fld>
             <a:endParaRPr lang="en-US" dirty="0"/>
           </a:p>
@@ -4435,7 +4440,7 @@
             <a:fld id="{B61BEF0D-F0BB-DE4B-95CE-6DB70DBA9567}" type="datetimeFigureOut">
               <a:rPr lang="en-US" smtClean="0"/>
               <a:pPr/>
-              <a:t>3/23/2021</a:t>
+              <a:t>3/24/2021</a:t>
             </a:fld>
             <a:endParaRPr lang="en-US" dirty="0"/>
           </a:p>
@@ -4562,7 +4567,7 @@
             <a:fld id="{B61BEF0D-F0BB-DE4B-95CE-6DB70DBA9567}" type="datetimeFigureOut">
               <a:rPr lang="en-US" smtClean="0"/>
               <a:pPr/>
-              <a:t>3/23/2021</a:t>
+              <a:t>3/24/2021</a:t>
             </a:fld>
             <a:endParaRPr lang="en-US" dirty="0"/>
           </a:p>
@@ -4849,7 +4854,7 @@
             <a:fld id="{B61BEF0D-F0BB-DE4B-95CE-6DB70DBA9567}" type="datetimeFigureOut">
               <a:rPr lang="en-US" smtClean="0"/>
               <a:pPr/>
-              <a:t>3/23/2021</a:t>
+              <a:t>3/24/2021</a:t>
             </a:fld>
             <a:endParaRPr lang="en-US" dirty="0"/>
           </a:p>
@@ -5145,7 +5150,7 @@
             <a:fld id="{B61BEF0D-F0BB-DE4B-95CE-6DB70DBA9567}" type="datetimeFigureOut">
               <a:rPr lang="en-US" smtClean="0"/>
               <a:pPr/>
-              <a:t>3/23/2021</a:t>
+              <a:t>3/24/2021</a:t>
             </a:fld>
             <a:endParaRPr lang="en-US" dirty="0"/>
           </a:p>
@@ -5361,7 +5366,7 @@
             <a:fld id="{B61BEF0D-F0BB-DE4B-95CE-6DB70DBA9567}" type="datetimeFigureOut">
               <a:rPr lang="en-US" smtClean="0"/>
               <a:pPr/>
-              <a:t>3/23/2021</a:t>
+              <a:t>3/24/2021</a:t>
             </a:fld>
             <a:endParaRPr lang="en-US" dirty="0"/>
           </a:p>
@@ -6618,7 +6623,15 @@
             <a:pPr algn="just"/>
             <a:r>
               <a:rPr lang="ru-RU" sz="2000" dirty="0"/>
-              <a:t>В результате мы можем классифицировать нелинейный набор данных, добавив к нему дополнительное измерение, а затем привести обратно к исходному виду используя математическую трансформацию. Однако не со всеми наборами данных можно с такой же легкостью провернуть такую трансформацию. К счастью, реализация этого алгоритма в библиотеке </a:t>
+              <a:t>В результате мы можем классифицировать нелинейный набор данных, добавив к нему дополнительное измерение, а затем привести обратно к исходному виду</a:t>
+            </a:r>
+            <a:r>
+              <a:rPr lang="en-US" sz="2000" dirty="0"/>
+              <a:t>,</a:t>
+            </a:r>
+            <a:r>
+              <a:rPr lang="ru-RU" sz="2000" dirty="0"/>
+              <a:t> используя математическую трансформацию. Однако не со всеми наборами данных можно с такой же легкостью провернуть такую трансформацию. К счастью, реализация этого алгоритма в библиотеке </a:t>
             </a:r>
             <a:r>
               <a:rPr lang="ru-RU" sz="2000" dirty="0" err="1"/>
@@ -7606,7 +7619,15 @@
             <a:pPr algn="just"/>
             <a:r>
               <a:rPr lang="ru-RU" dirty="0"/>
-              <a:t>Основной задачей алгоритма является найти наиболее правильную линию, или гиперплоскость разделяющую данные на два класса. SVM</a:t>
+              <a:t>Основной задачей алгоритма является найти наиболее правильную линию или гиперплоскость</a:t>
+            </a:r>
+            <a:r>
+              <a:rPr lang="en-US" dirty="0"/>
+              <a:t>,</a:t>
+            </a:r>
+            <a:r>
+              <a:rPr lang="ru-RU" dirty="0"/>
+              <a:t> разделяющую данные на два класса. SVM</a:t>
             </a:r>
             <a:r>
               <a:rPr lang="en-US" dirty="0"/>
